--- a/docs/slides/Q1/Q1_HC.pptx
+++ b/docs/slides/Q1/Q1_HC.pptx
@@ -3345,7 +3345,7 @@
         <p:spPr>
           <a:xfrm>
             <a:off x="1393834" y="1744280"/>
-            <a:ext cx="9404332" cy="2585323"/>
+            <a:ext cx="9404332" cy="2862322"/>
           </a:xfrm>
           <a:prstGeom prst="rect">
             <a:avLst/>
@@ -3394,6 +3394,13 @@
               <a:rPr lang="en-US" dirty="0"/>
               <a:t> genes -&gt; phenotypic rescue</a:t>
             </a:r>
+          </a:p>
+          <a:p>
+            <a:pPr marL="285750" indent="-285750">
+              <a:buFont typeface="Arial" panose="020B0604020202020204" pitchFamily="34" charset="0"/>
+              <a:buChar char="•"/>
+            </a:pPr>
+            <a:endParaRPr lang="en-US" dirty="0"/>
           </a:p>
           <a:p>
             <a:pPr marL="285750" indent="-285750">
@@ -3582,8 +3589,8 @@
         </p:blipFill>
         <p:spPr>
           <a:xfrm>
-            <a:off x="912664" y="3735507"/>
-            <a:ext cx="5289550" cy="1714500"/>
+            <a:off x="873760" y="3735507"/>
+            <a:ext cx="5328454" cy="1727110"/>
           </a:xfrm>
           <a:prstGeom prst="rect">
             <a:avLst/>
@@ -3985,7 +3992,7 @@
         </p:nvSpPr>
         <p:spPr>
           <a:xfrm>
-            <a:off x="7859121" y="3102025"/>
+            <a:off x="7859121" y="3105753"/>
             <a:ext cx="2677601" cy="369332"/>
           </a:xfrm>
           <a:prstGeom prst="rect">
@@ -4176,7 +4183,7 @@
         </p:nvSpPr>
         <p:spPr>
           <a:xfrm>
-            <a:off x="5779233" y="3109481"/>
+            <a:off x="5779233" y="3105753"/>
             <a:ext cx="2677601" cy="369332"/>
           </a:xfrm>
           <a:prstGeom prst="rect">
@@ -4929,7 +4936,7 @@
         <p:spPr>
           <a:xfrm>
             <a:off x="3343042" y="3847135"/>
-            <a:ext cx="2278048" cy="923330"/>
+            <a:ext cx="2001118" cy="923330"/>
           </a:xfrm>
           <a:prstGeom prst="rect">
             <a:avLst/>
@@ -5187,8 +5194,12 @@
               <a:buChar char="•"/>
             </a:pPr>
             <a:r>
+              <a:rPr lang="en-US" i="1" dirty="0"/>
+              <a:t>In silico </a:t>
+            </a:r>
+            <a:r>
               <a:rPr lang="en-US" dirty="0"/>
-              <a:t>In silico search for RBPs -&gt; </a:t>
+              <a:t>search for RBPs -&gt; </a:t>
             </a:r>
           </a:p>
           <a:p>
@@ -5225,7 +5236,15 @@
           <a:p>
             <a:r>
               <a:rPr lang="en-US" dirty="0"/>
-              <a:t>(Ctrl: PROTAC for irrelevant RBPs in KO, WT-like phenotype)</a:t>
+              <a:t>(Ctrl: PROTAC for irrelevant RBPs in KO, </a:t>
+            </a:r>
+            <a:r>
+              <a:rPr lang="en-US" altLang="zh-CN" dirty="0"/>
+              <a:t>expect </a:t>
+            </a:r>
+            <a:r>
+              <a:rPr lang="en-US" dirty="0"/>
+              <a:t>WT-like phenotype)</a:t>
             </a:r>
           </a:p>
           <a:p>
